--- a/公共部分+石京儒部分.pptx
+++ b/公共部分+石京儒部分.pptx
@@ -9,11 +9,12 @@
     <p:sldId id="259" r:id="rId3"/>
     <p:sldId id="261" r:id="rId4"/>
     <p:sldId id="262" r:id="rId5"/>
-    <p:sldId id="260" r:id="rId6"/>
-    <p:sldId id="257" r:id="rId7"/>
-    <p:sldId id="263" r:id="rId8"/>
-    <p:sldId id="264" r:id="rId9"/>
-    <p:sldId id="265" r:id="rId10"/>
+    <p:sldId id="267" r:id="rId6"/>
+    <p:sldId id="260" r:id="rId7"/>
+    <p:sldId id="257" r:id="rId8"/>
+    <p:sldId id="263" r:id="rId9"/>
+    <p:sldId id="264" r:id="rId10"/>
+    <p:sldId id="265" r:id="rId11"/>
   </p:sldIdLst>
   <p:sldSz cx="12192000" cy="6858000"/>
   <p:notesSz cx="6858000" cy="9144000"/>
@@ -267,7 +268,7 @@
           <a:p>
             <a:fld id="{DA783CDB-D000-4F93-A8F6-FDDD9B1DDCCD}" type="datetimeFigureOut">
               <a:rPr lang="zh-CN" altLang="en-US" smtClean="0"/>
-              <a:t>2020/4/23</a:t>
+              <a:t>2020/4/24</a:t>
             </a:fld>
             <a:endParaRPr lang="zh-CN" altLang="en-US"/>
           </a:p>
@@ -465,7 +466,7 @@
           <a:p>
             <a:fld id="{DA783CDB-D000-4F93-A8F6-FDDD9B1DDCCD}" type="datetimeFigureOut">
               <a:rPr lang="zh-CN" altLang="en-US" smtClean="0"/>
-              <a:t>2020/4/23</a:t>
+              <a:t>2020/4/24</a:t>
             </a:fld>
             <a:endParaRPr lang="zh-CN" altLang="en-US"/>
           </a:p>
@@ -673,7 +674,7 @@
           <a:p>
             <a:fld id="{DA783CDB-D000-4F93-A8F6-FDDD9B1DDCCD}" type="datetimeFigureOut">
               <a:rPr lang="zh-CN" altLang="en-US" smtClean="0"/>
-              <a:t>2020/4/23</a:t>
+              <a:t>2020/4/24</a:t>
             </a:fld>
             <a:endParaRPr lang="zh-CN" altLang="en-US"/>
           </a:p>
@@ -871,7 +872,7 @@
           <a:p>
             <a:fld id="{DA783CDB-D000-4F93-A8F6-FDDD9B1DDCCD}" type="datetimeFigureOut">
               <a:rPr lang="zh-CN" altLang="en-US" smtClean="0"/>
-              <a:t>2020/4/23</a:t>
+              <a:t>2020/4/24</a:t>
             </a:fld>
             <a:endParaRPr lang="zh-CN" altLang="en-US"/>
           </a:p>
@@ -1146,7 +1147,7 @@
           <a:p>
             <a:fld id="{DA783CDB-D000-4F93-A8F6-FDDD9B1DDCCD}" type="datetimeFigureOut">
               <a:rPr lang="zh-CN" altLang="en-US" smtClean="0"/>
-              <a:t>2020/4/23</a:t>
+              <a:t>2020/4/24</a:t>
             </a:fld>
             <a:endParaRPr lang="zh-CN" altLang="en-US"/>
           </a:p>
@@ -1411,7 +1412,7 @@
           <a:p>
             <a:fld id="{DA783CDB-D000-4F93-A8F6-FDDD9B1DDCCD}" type="datetimeFigureOut">
               <a:rPr lang="zh-CN" altLang="en-US" smtClean="0"/>
-              <a:t>2020/4/23</a:t>
+              <a:t>2020/4/24</a:t>
             </a:fld>
             <a:endParaRPr lang="zh-CN" altLang="en-US"/>
           </a:p>
@@ -1823,7 +1824,7 @@
           <a:p>
             <a:fld id="{DA783CDB-D000-4F93-A8F6-FDDD9B1DDCCD}" type="datetimeFigureOut">
               <a:rPr lang="zh-CN" altLang="en-US" smtClean="0"/>
-              <a:t>2020/4/23</a:t>
+              <a:t>2020/4/24</a:t>
             </a:fld>
             <a:endParaRPr lang="zh-CN" altLang="en-US"/>
           </a:p>
@@ -1964,7 +1965,7 @@
           <a:p>
             <a:fld id="{DA783CDB-D000-4F93-A8F6-FDDD9B1DDCCD}" type="datetimeFigureOut">
               <a:rPr lang="zh-CN" altLang="en-US" smtClean="0"/>
-              <a:t>2020/4/23</a:t>
+              <a:t>2020/4/24</a:t>
             </a:fld>
             <a:endParaRPr lang="zh-CN" altLang="en-US"/>
           </a:p>
@@ -2077,7 +2078,7 @@
           <a:p>
             <a:fld id="{DA783CDB-D000-4F93-A8F6-FDDD9B1DDCCD}" type="datetimeFigureOut">
               <a:rPr lang="zh-CN" altLang="en-US" smtClean="0"/>
-              <a:t>2020/4/23</a:t>
+              <a:t>2020/4/24</a:t>
             </a:fld>
             <a:endParaRPr lang="zh-CN" altLang="en-US"/>
           </a:p>
@@ -2388,7 +2389,7 @@
           <a:p>
             <a:fld id="{DA783CDB-D000-4F93-A8F6-FDDD9B1DDCCD}" type="datetimeFigureOut">
               <a:rPr lang="zh-CN" altLang="en-US" smtClean="0"/>
-              <a:t>2020/4/23</a:t>
+              <a:t>2020/4/24</a:t>
             </a:fld>
             <a:endParaRPr lang="zh-CN" altLang="en-US"/>
           </a:p>
@@ -2676,7 +2677,7 @@
           <a:p>
             <a:fld id="{DA783CDB-D000-4F93-A8F6-FDDD9B1DDCCD}" type="datetimeFigureOut">
               <a:rPr lang="zh-CN" altLang="en-US" smtClean="0"/>
-              <a:t>2020/4/23</a:t>
+              <a:t>2020/4/24</a:t>
             </a:fld>
             <a:endParaRPr lang="zh-CN" altLang="en-US"/>
           </a:p>
@@ -2917,7 +2918,7 @@
           <a:p>
             <a:fld id="{DA783CDB-D000-4F93-A8F6-FDDD9B1DDCCD}" type="datetimeFigureOut">
               <a:rPr lang="zh-CN" altLang="en-US" smtClean="0"/>
-              <a:t>2020/4/23</a:t>
+              <a:t>2020/4/24</a:t>
             </a:fld>
             <a:endParaRPr lang="zh-CN" altLang="en-US"/>
           </a:p>
@@ -3476,6 +3477,61 @@
 </p:sld>
 </file>
 
+<file path=ppt/slides/slide10.xml><?xml version="1.0" encoding="utf-8"?>
+<p:sld xmlns:a="http://schemas.openxmlformats.org/drawingml/2006/main" xmlns:r="http://schemas.openxmlformats.org/officeDocument/2006/relationships" xmlns:p="http://schemas.openxmlformats.org/presentationml/2006/main">
+  <p:cSld>
+    <p:spTree>
+      <p:nvGrpSpPr>
+        <p:cNvPr id="1" name=""/>
+        <p:cNvGrpSpPr/>
+        <p:nvPr/>
+      </p:nvGrpSpPr>
+      <p:grpSpPr>
+        <a:xfrm>
+          <a:off x="0" y="0"/>
+          <a:ext cx="0" cy="0"/>
+          <a:chOff x="0" y="0"/>
+          <a:chExt cx="0" cy="0"/>
+        </a:xfrm>
+      </p:grpSpPr>
+      <p:sp>
+        <p:nvSpPr>
+          <p:cNvPr id="5" name="内容占位符 4">
+            <a:extLst>
+              <a:ext uri="{FF2B5EF4-FFF2-40B4-BE49-F238E27FC236}">
+                <a16:creationId xmlns:a16="http://schemas.microsoft.com/office/drawing/2014/main" id="{9474F5D4-A50E-4D58-820B-6D7E8BEAA403}"/>
+              </a:ext>
+            </a:extLst>
+          </p:cNvPr>
+          <p:cNvSpPr>
+            <a:spLocks noGrp="1"/>
+          </p:cNvSpPr>
+          <p:nvPr>
+            <p:ph idx="1"/>
+          </p:nvPr>
+        </p:nvSpPr>
+        <p:spPr/>
+        <p:txBody>
+          <a:bodyPr/>
+          <a:lstStyle/>
+          <a:p>
+            <a:endParaRPr lang="zh-CN" altLang="en-US"/>
+          </a:p>
+        </p:txBody>
+      </p:sp>
+    </p:spTree>
+    <p:extLst>
+      <p:ext uri="{BB962C8B-B14F-4D97-AF65-F5344CB8AC3E}">
+        <p14:creationId xmlns:p14="http://schemas.microsoft.com/office/powerpoint/2010/main" val="3401956310"/>
+      </p:ext>
+    </p:extLst>
+  </p:cSld>
+  <p:clrMapOvr>
+    <a:masterClrMapping/>
+  </p:clrMapOvr>
+</p:sld>
+</file>
+
 <file path=ppt/slides/slide2.xml><?xml version="1.0" encoding="utf-8"?>
 <p:sld xmlns:a="http://schemas.openxmlformats.org/drawingml/2006/main" xmlns:r="http://schemas.openxmlformats.org/officeDocument/2006/relationships" xmlns:p="http://schemas.openxmlformats.org/presentationml/2006/main">
   <p:cSld>
@@ -4834,7 +4890,25 @@
               <a:rPr lang="en-US" altLang="zh-CN" dirty="0">
                 <a:hlinkClick r:id="rId4"/>
               </a:rPr>
-              <a:t>github.com/TTopoo/Student</a:t>
+              <a:t>github.com/</a:t>
+            </a:r>
+            <a:r>
+              <a:rPr lang="en-US" altLang="zh-CN" dirty="0" err="1">
+                <a:hlinkClick r:id="rId4"/>
+              </a:rPr>
+              <a:t>TTopoo</a:t>
+            </a:r>
+            <a:r>
+              <a:rPr lang="en-US" altLang="zh-CN" dirty="0">
+                <a:hlinkClick r:id="rId4"/>
+              </a:rPr>
+              <a:t>/</a:t>
+            </a:r>
+            <a:r>
+              <a:rPr lang="en-US" altLang="zh-CN" dirty="0">
+                <a:hlinkClick r:id="rId4"/>
+              </a:rPr>
+              <a:t>Student</a:t>
             </a:r>
             <a:endParaRPr lang="zh-CN" altLang="en-US" dirty="0"/>
           </a:p>
@@ -4875,6 +4949,1020 @@
           <p:cNvPr id="2" name="标题 1">
             <a:extLst>
               <a:ext uri="{FF2B5EF4-FFF2-40B4-BE49-F238E27FC236}">
+                <a16:creationId xmlns:a16="http://schemas.microsoft.com/office/drawing/2014/main" id="{F9CF7306-1AFC-42BA-89F9-8977331BF4BA}"/>
+              </a:ext>
+            </a:extLst>
+          </p:cNvPr>
+          <p:cNvSpPr>
+            <a:spLocks noGrp="1"/>
+          </p:cNvSpPr>
+          <p:nvPr>
+            <p:ph type="title"/>
+          </p:nvPr>
+        </p:nvSpPr>
+        <p:spPr>
+          <a:xfrm>
+            <a:off x="975242" y="244475"/>
+            <a:ext cx="10515600" cy="1325563"/>
+          </a:xfrm>
+        </p:spPr>
+        <p:txBody>
+          <a:bodyPr/>
+          <a:lstStyle/>
+          <a:p>
+            <a:r>
+              <a:rPr lang="zh-CN" altLang="en-US" dirty="0"/>
+              <a:t>四</a:t>
+            </a:r>
+            <a:r>
+              <a:rPr lang="en-US" altLang="zh-CN" dirty="0"/>
+              <a:t>. </a:t>
+            </a:r>
+            <a:r>
+              <a:rPr lang="zh-CN" altLang="en-US" dirty="0"/>
+              <a:t>分工介绍</a:t>
+            </a:r>
+          </a:p>
+        </p:txBody>
+      </p:sp>
+      <p:sp>
+        <p:nvSpPr>
+          <p:cNvPr id="7" name="副标题 2">
+            <a:extLst>
+              <a:ext uri="{FF2B5EF4-FFF2-40B4-BE49-F238E27FC236}">
+                <a16:creationId xmlns:a16="http://schemas.microsoft.com/office/drawing/2014/main" id="{62BE6B07-5625-437C-AC29-A0E99DAE9E93}"/>
+              </a:ext>
+            </a:extLst>
+          </p:cNvPr>
+          <p:cNvSpPr txBox="1">
+            <a:spLocks/>
+          </p:cNvSpPr>
+          <p:nvPr/>
+        </p:nvSpPr>
+        <p:spPr>
+          <a:xfrm>
+            <a:off x="3048519" y="1690688"/>
+            <a:ext cx="1744181" cy="648444"/>
+          </a:xfrm>
+          <a:prstGeom prst="rect">
+            <a:avLst/>
+          </a:prstGeom>
+        </p:spPr>
+        <p:txBody>
+          <a:bodyPr vert="horz" lIns="91440" tIns="45720" rIns="91440" bIns="45720" rtlCol="0">
+            <a:normAutofit/>
+          </a:bodyPr>
+          <a:lstStyle>
+            <a:lvl1pPr marL="228600" indent="-228600" algn="l" defTabSz="914400" rtl="0" eaLnBrk="1" latinLnBrk="0" hangingPunct="1">
+              <a:lnSpc>
+                <a:spcPct val="90000"/>
+              </a:lnSpc>
+              <a:spcBef>
+                <a:spcPts val="1000"/>
+              </a:spcBef>
+              <a:buFont typeface="Arial" panose="020B0604020202020204" pitchFamily="34" charset="0"/>
+              <a:buChar char="•"/>
+              <a:defRPr sz="2800" kern="1200">
+                <a:solidFill>
+                  <a:schemeClr val="tx1"/>
+                </a:solidFill>
+                <a:latin typeface="+mn-lt"/>
+                <a:ea typeface="+mn-ea"/>
+                <a:cs typeface="+mn-cs"/>
+              </a:defRPr>
+            </a:lvl1pPr>
+            <a:lvl2pPr marL="685800" indent="-228600" algn="l" defTabSz="914400" rtl="0" eaLnBrk="1" latinLnBrk="0" hangingPunct="1">
+              <a:lnSpc>
+                <a:spcPct val="90000"/>
+              </a:lnSpc>
+              <a:spcBef>
+                <a:spcPts val="500"/>
+              </a:spcBef>
+              <a:buFont typeface="Arial" panose="020B0604020202020204" pitchFamily="34" charset="0"/>
+              <a:buChar char="•"/>
+              <a:defRPr sz="2400" kern="1200">
+                <a:solidFill>
+                  <a:schemeClr val="tx1"/>
+                </a:solidFill>
+                <a:latin typeface="+mn-lt"/>
+                <a:ea typeface="+mn-ea"/>
+                <a:cs typeface="+mn-cs"/>
+              </a:defRPr>
+            </a:lvl2pPr>
+            <a:lvl3pPr marL="1143000" indent="-228600" algn="l" defTabSz="914400" rtl="0" eaLnBrk="1" latinLnBrk="0" hangingPunct="1">
+              <a:lnSpc>
+                <a:spcPct val="90000"/>
+              </a:lnSpc>
+              <a:spcBef>
+                <a:spcPts val="500"/>
+              </a:spcBef>
+              <a:buFont typeface="Arial" panose="020B0604020202020204" pitchFamily="34" charset="0"/>
+              <a:buChar char="•"/>
+              <a:defRPr sz="2000" kern="1200">
+                <a:solidFill>
+                  <a:schemeClr val="tx1"/>
+                </a:solidFill>
+                <a:latin typeface="+mn-lt"/>
+                <a:ea typeface="+mn-ea"/>
+                <a:cs typeface="+mn-cs"/>
+              </a:defRPr>
+            </a:lvl3pPr>
+            <a:lvl4pPr marL="1600200" indent="-228600" algn="l" defTabSz="914400" rtl="0" eaLnBrk="1" latinLnBrk="0" hangingPunct="1">
+              <a:lnSpc>
+                <a:spcPct val="90000"/>
+              </a:lnSpc>
+              <a:spcBef>
+                <a:spcPts val="500"/>
+              </a:spcBef>
+              <a:buFont typeface="Arial" panose="020B0604020202020204" pitchFamily="34" charset="0"/>
+              <a:buChar char="•"/>
+              <a:defRPr sz="1800" kern="1200">
+                <a:solidFill>
+                  <a:schemeClr val="tx1"/>
+                </a:solidFill>
+                <a:latin typeface="+mn-lt"/>
+                <a:ea typeface="+mn-ea"/>
+                <a:cs typeface="+mn-cs"/>
+              </a:defRPr>
+            </a:lvl4pPr>
+            <a:lvl5pPr marL="2057400" indent="-228600" algn="l" defTabSz="914400" rtl="0" eaLnBrk="1" latinLnBrk="0" hangingPunct="1">
+              <a:lnSpc>
+                <a:spcPct val="90000"/>
+              </a:lnSpc>
+              <a:spcBef>
+                <a:spcPts val="500"/>
+              </a:spcBef>
+              <a:buFont typeface="Arial" panose="020B0604020202020204" pitchFamily="34" charset="0"/>
+              <a:buChar char="•"/>
+              <a:defRPr sz="1800" kern="1200">
+                <a:solidFill>
+                  <a:schemeClr val="tx1"/>
+                </a:solidFill>
+                <a:latin typeface="+mn-lt"/>
+                <a:ea typeface="+mn-ea"/>
+                <a:cs typeface="+mn-cs"/>
+              </a:defRPr>
+            </a:lvl5pPr>
+            <a:lvl6pPr marL="2514600" indent="-228600" algn="l" defTabSz="914400" rtl="0" eaLnBrk="1" latinLnBrk="0" hangingPunct="1">
+              <a:lnSpc>
+                <a:spcPct val="90000"/>
+              </a:lnSpc>
+              <a:spcBef>
+                <a:spcPts val="500"/>
+              </a:spcBef>
+              <a:buFont typeface="Arial" panose="020B0604020202020204" pitchFamily="34" charset="0"/>
+              <a:buChar char="•"/>
+              <a:defRPr sz="1800" kern="1200">
+                <a:solidFill>
+                  <a:schemeClr val="tx1"/>
+                </a:solidFill>
+                <a:latin typeface="+mn-lt"/>
+                <a:ea typeface="+mn-ea"/>
+                <a:cs typeface="+mn-cs"/>
+              </a:defRPr>
+            </a:lvl6pPr>
+            <a:lvl7pPr marL="2971800" indent="-228600" algn="l" defTabSz="914400" rtl="0" eaLnBrk="1" latinLnBrk="0" hangingPunct="1">
+              <a:lnSpc>
+                <a:spcPct val="90000"/>
+              </a:lnSpc>
+              <a:spcBef>
+                <a:spcPts val="500"/>
+              </a:spcBef>
+              <a:buFont typeface="Arial" panose="020B0604020202020204" pitchFamily="34" charset="0"/>
+              <a:buChar char="•"/>
+              <a:defRPr sz="1800" kern="1200">
+                <a:solidFill>
+                  <a:schemeClr val="tx1"/>
+                </a:solidFill>
+                <a:latin typeface="+mn-lt"/>
+                <a:ea typeface="+mn-ea"/>
+                <a:cs typeface="+mn-cs"/>
+              </a:defRPr>
+            </a:lvl7pPr>
+            <a:lvl8pPr marL="3429000" indent="-228600" algn="l" defTabSz="914400" rtl="0" eaLnBrk="1" latinLnBrk="0" hangingPunct="1">
+              <a:lnSpc>
+                <a:spcPct val="90000"/>
+              </a:lnSpc>
+              <a:spcBef>
+                <a:spcPts val="500"/>
+              </a:spcBef>
+              <a:buFont typeface="Arial" panose="020B0604020202020204" pitchFamily="34" charset="0"/>
+              <a:buChar char="•"/>
+              <a:defRPr sz="1800" kern="1200">
+                <a:solidFill>
+                  <a:schemeClr val="tx1"/>
+                </a:solidFill>
+                <a:latin typeface="+mn-lt"/>
+                <a:ea typeface="+mn-ea"/>
+                <a:cs typeface="+mn-cs"/>
+              </a:defRPr>
+            </a:lvl8pPr>
+            <a:lvl9pPr marL="3886200" indent="-228600" algn="l" defTabSz="914400" rtl="0" eaLnBrk="1" latinLnBrk="0" hangingPunct="1">
+              <a:lnSpc>
+                <a:spcPct val="90000"/>
+              </a:lnSpc>
+              <a:spcBef>
+                <a:spcPts val="500"/>
+              </a:spcBef>
+              <a:buFont typeface="Arial" panose="020B0604020202020204" pitchFamily="34" charset="0"/>
+              <a:buChar char="•"/>
+              <a:defRPr sz="1800" kern="1200">
+                <a:solidFill>
+                  <a:schemeClr val="tx1"/>
+                </a:solidFill>
+                <a:latin typeface="+mn-lt"/>
+                <a:ea typeface="+mn-ea"/>
+                <a:cs typeface="+mn-cs"/>
+              </a:defRPr>
+            </a:lvl9pPr>
+          </a:lstStyle>
+          <a:p>
+            <a:pPr marL="0" indent="0">
+              <a:buNone/>
+            </a:pPr>
+            <a:r>
+              <a:rPr lang="zh-CN" altLang="en-US" dirty="0"/>
+              <a:t>石京儒</a:t>
+            </a:r>
+            <a:endParaRPr lang="en-US" altLang="zh-CN" dirty="0"/>
+          </a:p>
+        </p:txBody>
+      </p:sp>
+      <p:sp>
+        <p:nvSpPr>
+          <p:cNvPr id="13" name="副标题 2">
+            <a:extLst>
+              <a:ext uri="{FF2B5EF4-FFF2-40B4-BE49-F238E27FC236}">
+                <a16:creationId xmlns:a16="http://schemas.microsoft.com/office/drawing/2014/main" id="{565751C9-242E-471D-8452-FC1E9B4F3408}"/>
+              </a:ext>
+            </a:extLst>
+          </p:cNvPr>
+          <p:cNvSpPr txBox="1">
+            <a:spLocks/>
+          </p:cNvSpPr>
+          <p:nvPr/>
+        </p:nvSpPr>
+        <p:spPr>
+          <a:xfrm>
+            <a:off x="7275994" y="1690688"/>
+            <a:ext cx="1744181" cy="648444"/>
+          </a:xfrm>
+          <a:prstGeom prst="rect">
+            <a:avLst/>
+          </a:prstGeom>
+        </p:spPr>
+        <p:txBody>
+          <a:bodyPr vert="horz" lIns="91440" tIns="45720" rIns="91440" bIns="45720" rtlCol="0">
+            <a:normAutofit/>
+          </a:bodyPr>
+          <a:lstStyle>
+            <a:lvl1pPr marL="228600" indent="-228600" algn="l" defTabSz="914400" rtl="0" eaLnBrk="1" latinLnBrk="0" hangingPunct="1">
+              <a:lnSpc>
+                <a:spcPct val="90000"/>
+              </a:lnSpc>
+              <a:spcBef>
+                <a:spcPts val="1000"/>
+              </a:spcBef>
+              <a:buFont typeface="Arial" panose="020B0604020202020204" pitchFamily="34" charset="0"/>
+              <a:buChar char="•"/>
+              <a:defRPr sz="2800" kern="1200">
+                <a:solidFill>
+                  <a:schemeClr val="tx1"/>
+                </a:solidFill>
+                <a:latin typeface="+mn-lt"/>
+                <a:ea typeface="+mn-ea"/>
+                <a:cs typeface="+mn-cs"/>
+              </a:defRPr>
+            </a:lvl1pPr>
+            <a:lvl2pPr marL="685800" indent="-228600" algn="l" defTabSz="914400" rtl="0" eaLnBrk="1" latinLnBrk="0" hangingPunct="1">
+              <a:lnSpc>
+                <a:spcPct val="90000"/>
+              </a:lnSpc>
+              <a:spcBef>
+                <a:spcPts val="500"/>
+              </a:spcBef>
+              <a:buFont typeface="Arial" panose="020B0604020202020204" pitchFamily="34" charset="0"/>
+              <a:buChar char="•"/>
+              <a:defRPr sz="2400" kern="1200">
+                <a:solidFill>
+                  <a:schemeClr val="tx1"/>
+                </a:solidFill>
+                <a:latin typeface="+mn-lt"/>
+                <a:ea typeface="+mn-ea"/>
+                <a:cs typeface="+mn-cs"/>
+              </a:defRPr>
+            </a:lvl2pPr>
+            <a:lvl3pPr marL="1143000" indent="-228600" algn="l" defTabSz="914400" rtl="0" eaLnBrk="1" latinLnBrk="0" hangingPunct="1">
+              <a:lnSpc>
+                <a:spcPct val="90000"/>
+              </a:lnSpc>
+              <a:spcBef>
+                <a:spcPts val="500"/>
+              </a:spcBef>
+              <a:buFont typeface="Arial" panose="020B0604020202020204" pitchFamily="34" charset="0"/>
+              <a:buChar char="•"/>
+              <a:defRPr sz="2000" kern="1200">
+                <a:solidFill>
+                  <a:schemeClr val="tx1"/>
+                </a:solidFill>
+                <a:latin typeface="+mn-lt"/>
+                <a:ea typeface="+mn-ea"/>
+                <a:cs typeface="+mn-cs"/>
+              </a:defRPr>
+            </a:lvl3pPr>
+            <a:lvl4pPr marL="1600200" indent="-228600" algn="l" defTabSz="914400" rtl="0" eaLnBrk="1" latinLnBrk="0" hangingPunct="1">
+              <a:lnSpc>
+                <a:spcPct val="90000"/>
+              </a:lnSpc>
+              <a:spcBef>
+                <a:spcPts val="500"/>
+              </a:spcBef>
+              <a:buFont typeface="Arial" panose="020B0604020202020204" pitchFamily="34" charset="0"/>
+              <a:buChar char="•"/>
+              <a:defRPr sz="1800" kern="1200">
+                <a:solidFill>
+                  <a:schemeClr val="tx1"/>
+                </a:solidFill>
+                <a:latin typeface="+mn-lt"/>
+                <a:ea typeface="+mn-ea"/>
+                <a:cs typeface="+mn-cs"/>
+              </a:defRPr>
+            </a:lvl4pPr>
+            <a:lvl5pPr marL="2057400" indent="-228600" algn="l" defTabSz="914400" rtl="0" eaLnBrk="1" latinLnBrk="0" hangingPunct="1">
+              <a:lnSpc>
+                <a:spcPct val="90000"/>
+              </a:lnSpc>
+              <a:spcBef>
+                <a:spcPts val="500"/>
+              </a:spcBef>
+              <a:buFont typeface="Arial" panose="020B0604020202020204" pitchFamily="34" charset="0"/>
+              <a:buChar char="•"/>
+              <a:defRPr sz="1800" kern="1200">
+                <a:solidFill>
+                  <a:schemeClr val="tx1"/>
+                </a:solidFill>
+                <a:latin typeface="+mn-lt"/>
+                <a:ea typeface="+mn-ea"/>
+                <a:cs typeface="+mn-cs"/>
+              </a:defRPr>
+            </a:lvl5pPr>
+            <a:lvl6pPr marL="2514600" indent="-228600" algn="l" defTabSz="914400" rtl="0" eaLnBrk="1" latinLnBrk="0" hangingPunct="1">
+              <a:lnSpc>
+                <a:spcPct val="90000"/>
+              </a:lnSpc>
+              <a:spcBef>
+                <a:spcPts val="500"/>
+              </a:spcBef>
+              <a:buFont typeface="Arial" panose="020B0604020202020204" pitchFamily="34" charset="0"/>
+              <a:buChar char="•"/>
+              <a:defRPr sz="1800" kern="1200">
+                <a:solidFill>
+                  <a:schemeClr val="tx1"/>
+                </a:solidFill>
+                <a:latin typeface="+mn-lt"/>
+                <a:ea typeface="+mn-ea"/>
+                <a:cs typeface="+mn-cs"/>
+              </a:defRPr>
+            </a:lvl6pPr>
+            <a:lvl7pPr marL="2971800" indent="-228600" algn="l" defTabSz="914400" rtl="0" eaLnBrk="1" latinLnBrk="0" hangingPunct="1">
+              <a:lnSpc>
+                <a:spcPct val="90000"/>
+              </a:lnSpc>
+              <a:spcBef>
+                <a:spcPts val="500"/>
+              </a:spcBef>
+              <a:buFont typeface="Arial" panose="020B0604020202020204" pitchFamily="34" charset="0"/>
+              <a:buChar char="•"/>
+              <a:defRPr sz="1800" kern="1200">
+                <a:solidFill>
+                  <a:schemeClr val="tx1"/>
+                </a:solidFill>
+                <a:latin typeface="+mn-lt"/>
+                <a:ea typeface="+mn-ea"/>
+                <a:cs typeface="+mn-cs"/>
+              </a:defRPr>
+            </a:lvl7pPr>
+            <a:lvl8pPr marL="3429000" indent="-228600" algn="l" defTabSz="914400" rtl="0" eaLnBrk="1" latinLnBrk="0" hangingPunct="1">
+              <a:lnSpc>
+                <a:spcPct val="90000"/>
+              </a:lnSpc>
+              <a:spcBef>
+                <a:spcPts val="500"/>
+              </a:spcBef>
+              <a:buFont typeface="Arial" panose="020B0604020202020204" pitchFamily="34" charset="0"/>
+              <a:buChar char="•"/>
+              <a:defRPr sz="1800" kern="1200">
+                <a:solidFill>
+                  <a:schemeClr val="tx1"/>
+                </a:solidFill>
+                <a:latin typeface="+mn-lt"/>
+                <a:ea typeface="+mn-ea"/>
+                <a:cs typeface="+mn-cs"/>
+              </a:defRPr>
+            </a:lvl8pPr>
+            <a:lvl9pPr marL="3886200" indent="-228600" algn="l" defTabSz="914400" rtl="0" eaLnBrk="1" latinLnBrk="0" hangingPunct="1">
+              <a:lnSpc>
+                <a:spcPct val="90000"/>
+              </a:lnSpc>
+              <a:spcBef>
+                <a:spcPts val="500"/>
+              </a:spcBef>
+              <a:buFont typeface="Arial" panose="020B0604020202020204" pitchFamily="34" charset="0"/>
+              <a:buChar char="•"/>
+              <a:defRPr sz="1800" kern="1200">
+                <a:solidFill>
+                  <a:schemeClr val="tx1"/>
+                </a:solidFill>
+                <a:latin typeface="+mn-lt"/>
+                <a:ea typeface="+mn-ea"/>
+                <a:cs typeface="+mn-cs"/>
+              </a:defRPr>
+            </a:lvl9pPr>
+          </a:lstStyle>
+          <a:p>
+            <a:pPr marL="0" indent="0">
+              <a:buNone/>
+            </a:pPr>
+            <a:r>
+              <a:rPr lang="zh-CN" altLang="en-US" dirty="0"/>
+              <a:t>夏泽坤</a:t>
+            </a:r>
+            <a:endParaRPr lang="en-US" altLang="zh-CN" dirty="0"/>
+          </a:p>
+        </p:txBody>
+      </p:sp>
+      <p:sp>
+        <p:nvSpPr>
+          <p:cNvPr id="14" name="副标题 2">
+            <a:extLst>
+              <a:ext uri="{FF2B5EF4-FFF2-40B4-BE49-F238E27FC236}">
+                <a16:creationId xmlns:a16="http://schemas.microsoft.com/office/drawing/2014/main" id="{293A7A5D-61C2-45F6-A53A-3FABA9E0C6BD}"/>
+              </a:ext>
+            </a:extLst>
+          </p:cNvPr>
+          <p:cNvSpPr txBox="1">
+            <a:spLocks/>
+          </p:cNvSpPr>
+          <p:nvPr/>
+        </p:nvSpPr>
+        <p:spPr>
+          <a:xfrm>
+            <a:off x="1882259" y="2580432"/>
+            <a:ext cx="4076700" cy="2799505"/>
+          </a:xfrm>
+          <a:prstGeom prst="rect">
+            <a:avLst/>
+          </a:prstGeom>
+        </p:spPr>
+        <p:txBody>
+          <a:bodyPr vert="horz" lIns="91440" tIns="45720" rIns="91440" bIns="45720" rtlCol="0">
+            <a:normAutofit fontScale="92500" lnSpcReduction="10000"/>
+          </a:bodyPr>
+          <a:lstStyle>
+            <a:lvl1pPr marL="228600" indent="-228600" algn="l" defTabSz="914400" rtl="0" eaLnBrk="1" latinLnBrk="0" hangingPunct="1">
+              <a:lnSpc>
+                <a:spcPct val="90000"/>
+              </a:lnSpc>
+              <a:spcBef>
+                <a:spcPts val="1000"/>
+              </a:spcBef>
+              <a:buFont typeface="Arial" panose="020B0604020202020204" pitchFamily="34" charset="0"/>
+              <a:buChar char="•"/>
+              <a:defRPr sz="2800" kern="1200">
+                <a:solidFill>
+                  <a:schemeClr val="tx1"/>
+                </a:solidFill>
+                <a:latin typeface="+mn-lt"/>
+                <a:ea typeface="+mn-ea"/>
+                <a:cs typeface="+mn-cs"/>
+              </a:defRPr>
+            </a:lvl1pPr>
+            <a:lvl2pPr marL="685800" indent="-228600" algn="l" defTabSz="914400" rtl="0" eaLnBrk="1" latinLnBrk="0" hangingPunct="1">
+              <a:lnSpc>
+                <a:spcPct val="90000"/>
+              </a:lnSpc>
+              <a:spcBef>
+                <a:spcPts val="500"/>
+              </a:spcBef>
+              <a:buFont typeface="Arial" panose="020B0604020202020204" pitchFamily="34" charset="0"/>
+              <a:buChar char="•"/>
+              <a:defRPr sz="2400" kern="1200">
+                <a:solidFill>
+                  <a:schemeClr val="tx1"/>
+                </a:solidFill>
+                <a:latin typeface="+mn-lt"/>
+                <a:ea typeface="+mn-ea"/>
+                <a:cs typeface="+mn-cs"/>
+              </a:defRPr>
+            </a:lvl2pPr>
+            <a:lvl3pPr marL="1143000" indent="-228600" algn="l" defTabSz="914400" rtl="0" eaLnBrk="1" latinLnBrk="0" hangingPunct="1">
+              <a:lnSpc>
+                <a:spcPct val="90000"/>
+              </a:lnSpc>
+              <a:spcBef>
+                <a:spcPts val="500"/>
+              </a:spcBef>
+              <a:buFont typeface="Arial" panose="020B0604020202020204" pitchFamily="34" charset="0"/>
+              <a:buChar char="•"/>
+              <a:defRPr sz="2000" kern="1200">
+                <a:solidFill>
+                  <a:schemeClr val="tx1"/>
+                </a:solidFill>
+                <a:latin typeface="+mn-lt"/>
+                <a:ea typeface="+mn-ea"/>
+                <a:cs typeface="+mn-cs"/>
+              </a:defRPr>
+            </a:lvl3pPr>
+            <a:lvl4pPr marL="1600200" indent="-228600" algn="l" defTabSz="914400" rtl="0" eaLnBrk="1" latinLnBrk="0" hangingPunct="1">
+              <a:lnSpc>
+                <a:spcPct val="90000"/>
+              </a:lnSpc>
+              <a:spcBef>
+                <a:spcPts val="500"/>
+              </a:spcBef>
+              <a:buFont typeface="Arial" panose="020B0604020202020204" pitchFamily="34" charset="0"/>
+              <a:buChar char="•"/>
+              <a:defRPr sz="1800" kern="1200">
+                <a:solidFill>
+                  <a:schemeClr val="tx1"/>
+                </a:solidFill>
+                <a:latin typeface="+mn-lt"/>
+                <a:ea typeface="+mn-ea"/>
+                <a:cs typeface="+mn-cs"/>
+              </a:defRPr>
+            </a:lvl4pPr>
+            <a:lvl5pPr marL="2057400" indent="-228600" algn="l" defTabSz="914400" rtl="0" eaLnBrk="1" latinLnBrk="0" hangingPunct="1">
+              <a:lnSpc>
+                <a:spcPct val="90000"/>
+              </a:lnSpc>
+              <a:spcBef>
+                <a:spcPts val="500"/>
+              </a:spcBef>
+              <a:buFont typeface="Arial" panose="020B0604020202020204" pitchFamily="34" charset="0"/>
+              <a:buChar char="•"/>
+              <a:defRPr sz="1800" kern="1200">
+                <a:solidFill>
+                  <a:schemeClr val="tx1"/>
+                </a:solidFill>
+                <a:latin typeface="+mn-lt"/>
+                <a:ea typeface="+mn-ea"/>
+                <a:cs typeface="+mn-cs"/>
+              </a:defRPr>
+            </a:lvl5pPr>
+            <a:lvl6pPr marL="2514600" indent="-228600" algn="l" defTabSz="914400" rtl="0" eaLnBrk="1" latinLnBrk="0" hangingPunct="1">
+              <a:lnSpc>
+                <a:spcPct val="90000"/>
+              </a:lnSpc>
+              <a:spcBef>
+                <a:spcPts val="500"/>
+              </a:spcBef>
+              <a:buFont typeface="Arial" panose="020B0604020202020204" pitchFamily="34" charset="0"/>
+              <a:buChar char="•"/>
+              <a:defRPr sz="1800" kern="1200">
+                <a:solidFill>
+                  <a:schemeClr val="tx1"/>
+                </a:solidFill>
+                <a:latin typeface="+mn-lt"/>
+                <a:ea typeface="+mn-ea"/>
+                <a:cs typeface="+mn-cs"/>
+              </a:defRPr>
+            </a:lvl6pPr>
+            <a:lvl7pPr marL="2971800" indent="-228600" algn="l" defTabSz="914400" rtl="0" eaLnBrk="1" latinLnBrk="0" hangingPunct="1">
+              <a:lnSpc>
+                <a:spcPct val="90000"/>
+              </a:lnSpc>
+              <a:spcBef>
+                <a:spcPts val="500"/>
+              </a:spcBef>
+              <a:buFont typeface="Arial" panose="020B0604020202020204" pitchFamily="34" charset="0"/>
+              <a:buChar char="•"/>
+              <a:defRPr sz="1800" kern="1200">
+                <a:solidFill>
+                  <a:schemeClr val="tx1"/>
+                </a:solidFill>
+                <a:latin typeface="+mn-lt"/>
+                <a:ea typeface="+mn-ea"/>
+                <a:cs typeface="+mn-cs"/>
+              </a:defRPr>
+            </a:lvl7pPr>
+            <a:lvl8pPr marL="3429000" indent="-228600" algn="l" defTabSz="914400" rtl="0" eaLnBrk="1" latinLnBrk="0" hangingPunct="1">
+              <a:lnSpc>
+                <a:spcPct val="90000"/>
+              </a:lnSpc>
+              <a:spcBef>
+                <a:spcPts val="500"/>
+              </a:spcBef>
+              <a:buFont typeface="Arial" panose="020B0604020202020204" pitchFamily="34" charset="0"/>
+              <a:buChar char="•"/>
+              <a:defRPr sz="1800" kern="1200">
+                <a:solidFill>
+                  <a:schemeClr val="tx1"/>
+                </a:solidFill>
+                <a:latin typeface="+mn-lt"/>
+                <a:ea typeface="+mn-ea"/>
+                <a:cs typeface="+mn-cs"/>
+              </a:defRPr>
+            </a:lvl8pPr>
+            <a:lvl9pPr marL="3886200" indent="-228600" algn="l" defTabSz="914400" rtl="0" eaLnBrk="1" latinLnBrk="0" hangingPunct="1">
+              <a:lnSpc>
+                <a:spcPct val="90000"/>
+              </a:lnSpc>
+              <a:spcBef>
+                <a:spcPts val="500"/>
+              </a:spcBef>
+              <a:buFont typeface="Arial" panose="020B0604020202020204" pitchFamily="34" charset="0"/>
+              <a:buChar char="•"/>
+              <a:defRPr sz="1800" kern="1200">
+                <a:solidFill>
+                  <a:schemeClr val="tx1"/>
+                </a:solidFill>
+                <a:latin typeface="+mn-lt"/>
+                <a:ea typeface="+mn-ea"/>
+                <a:cs typeface="+mn-cs"/>
+              </a:defRPr>
+            </a:lvl9pPr>
+          </a:lstStyle>
+          <a:p>
+            <a:pPr lvl="0"/>
+            <a:r>
+              <a:rPr lang="zh-CN" altLang="zh-CN" dirty="0"/>
+              <a:t>网页导航栏模板设计</a:t>
+            </a:r>
+            <a:endParaRPr lang="en-US" altLang="zh-CN" dirty="0"/>
+          </a:p>
+          <a:p>
+            <a:pPr lvl="0"/>
+            <a:r>
+              <a:rPr lang="zh-CN" altLang="zh-CN" dirty="0"/>
+              <a:t>登录、登出模块设计</a:t>
+            </a:r>
+            <a:endParaRPr lang="en-US" altLang="zh-CN" dirty="0"/>
+          </a:p>
+          <a:p>
+            <a:pPr lvl="0"/>
+            <a:r>
+              <a:rPr lang="zh-CN" altLang="zh-CN" dirty="0"/>
+              <a:t>操作基类设计</a:t>
+            </a:r>
+            <a:endParaRPr lang="en-US" altLang="zh-CN" dirty="0"/>
+          </a:p>
+          <a:p>
+            <a:r>
+              <a:rPr lang="zh-CN" altLang="zh-CN" dirty="0"/>
+              <a:t>用户对象基类设计</a:t>
+            </a:r>
+          </a:p>
+          <a:p>
+            <a:r>
+              <a:rPr lang="zh-CN" altLang="zh-CN" dirty="0"/>
+              <a:t>信息表格显示模板设计</a:t>
+            </a:r>
+            <a:endParaRPr lang="en-US" altLang="zh-CN" dirty="0"/>
+          </a:p>
+          <a:p>
+            <a:r>
+              <a:rPr lang="zh-CN" altLang="zh-CN" dirty="0"/>
+              <a:t>日志系统工具类设计</a:t>
+            </a:r>
+          </a:p>
+          <a:p>
+            <a:pPr lvl="0"/>
+            <a:endParaRPr lang="zh-CN" altLang="zh-CN" dirty="0"/>
+          </a:p>
+        </p:txBody>
+      </p:sp>
+      <p:sp>
+        <p:nvSpPr>
+          <p:cNvPr id="15" name="副标题 2">
+            <a:extLst>
+              <a:ext uri="{FF2B5EF4-FFF2-40B4-BE49-F238E27FC236}">
+                <a16:creationId xmlns:a16="http://schemas.microsoft.com/office/drawing/2014/main" id="{5EFEB937-0703-4170-B44A-07AC339E3611}"/>
+              </a:ext>
+            </a:extLst>
+          </p:cNvPr>
+          <p:cNvSpPr txBox="1">
+            <a:spLocks/>
+          </p:cNvSpPr>
+          <p:nvPr/>
+        </p:nvSpPr>
+        <p:spPr>
+          <a:xfrm>
+            <a:off x="6233042" y="2580432"/>
+            <a:ext cx="5574266" cy="3680669"/>
+          </a:xfrm>
+          <a:prstGeom prst="rect">
+            <a:avLst/>
+          </a:prstGeom>
+        </p:spPr>
+        <p:txBody>
+          <a:bodyPr vert="horz" lIns="91440" tIns="45720" rIns="91440" bIns="45720" rtlCol="0">
+            <a:normAutofit fontScale="92500" lnSpcReduction="10000"/>
+          </a:bodyPr>
+          <a:lstStyle>
+            <a:lvl1pPr marL="228600" indent="-228600" algn="l" defTabSz="914400" rtl="0" eaLnBrk="1" latinLnBrk="0" hangingPunct="1">
+              <a:lnSpc>
+                <a:spcPct val="90000"/>
+              </a:lnSpc>
+              <a:spcBef>
+                <a:spcPts val="1000"/>
+              </a:spcBef>
+              <a:buFont typeface="Arial" panose="020B0604020202020204" pitchFamily="34" charset="0"/>
+              <a:buChar char="•"/>
+              <a:defRPr sz="2800" kern="1200">
+                <a:solidFill>
+                  <a:schemeClr val="tx1"/>
+                </a:solidFill>
+                <a:latin typeface="+mn-lt"/>
+                <a:ea typeface="+mn-ea"/>
+                <a:cs typeface="+mn-cs"/>
+              </a:defRPr>
+            </a:lvl1pPr>
+            <a:lvl2pPr marL="685800" indent="-228600" algn="l" defTabSz="914400" rtl="0" eaLnBrk="1" latinLnBrk="0" hangingPunct="1">
+              <a:lnSpc>
+                <a:spcPct val="90000"/>
+              </a:lnSpc>
+              <a:spcBef>
+                <a:spcPts val="500"/>
+              </a:spcBef>
+              <a:buFont typeface="Arial" panose="020B0604020202020204" pitchFamily="34" charset="0"/>
+              <a:buChar char="•"/>
+              <a:defRPr sz="2400" kern="1200">
+                <a:solidFill>
+                  <a:schemeClr val="tx1"/>
+                </a:solidFill>
+                <a:latin typeface="+mn-lt"/>
+                <a:ea typeface="+mn-ea"/>
+                <a:cs typeface="+mn-cs"/>
+              </a:defRPr>
+            </a:lvl2pPr>
+            <a:lvl3pPr marL="1143000" indent="-228600" algn="l" defTabSz="914400" rtl="0" eaLnBrk="1" latinLnBrk="0" hangingPunct="1">
+              <a:lnSpc>
+                <a:spcPct val="90000"/>
+              </a:lnSpc>
+              <a:spcBef>
+                <a:spcPts val="500"/>
+              </a:spcBef>
+              <a:buFont typeface="Arial" panose="020B0604020202020204" pitchFamily="34" charset="0"/>
+              <a:buChar char="•"/>
+              <a:defRPr sz="2000" kern="1200">
+                <a:solidFill>
+                  <a:schemeClr val="tx1"/>
+                </a:solidFill>
+                <a:latin typeface="+mn-lt"/>
+                <a:ea typeface="+mn-ea"/>
+                <a:cs typeface="+mn-cs"/>
+              </a:defRPr>
+            </a:lvl3pPr>
+            <a:lvl4pPr marL="1600200" indent="-228600" algn="l" defTabSz="914400" rtl="0" eaLnBrk="1" latinLnBrk="0" hangingPunct="1">
+              <a:lnSpc>
+                <a:spcPct val="90000"/>
+              </a:lnSpc>
+              <a:spcBef>
+                <a:spcPts val="500"/>
+              </a:spcBef>
+              <a:buFont typeface="Arial" panose="020B0604020202020204" pitchFamily="34" charset="0"/>
+              <a:buChar char="•"/>
+              <a:defRPr sz="1800" kern="1200">
+                <a:solidFill>
+                  <a:schemeClr val="tx1"/>
+                </a:solidFill>
+                <a:latin typeface="+mn-lt"/>
+                <a:ea typeface="+mn-ea"/>
+                <a:cs typeface="+mn-cs"/>
+              </a:defRPr>
+            </a:lvl4pPr>
+            <a:lvl5pPr marL="2057400" indent="-228600" algn="l" defTabSz="914400" rtl="0" eaLnBrk="1" latinLnBrk="0" hangingPunct="1">
+              <a:lnSpc>
+                <a:spcPct val="90000"/>
+              </a:lnSpc>
+              <a:spcBef>
+                <a:spcPts val="500"/>
+              </a:spcBef>
+              <a:buFont typeface="Arial" panose="020B0604020202020204" pitchFamily="34" charset="0"/>
+              <a:buChar char="•"/>
+              <a:defRPr sz="1800" kern="1200">
+                <a:solidFill>
+                  <a:schemeClr val="tx1"/>
+                </a:solidFill>
+                <a:latin typeface="+mn-lt"/>
+                <a:ea typeface="+mn-ea"/>
+                <a:cs typeface="+mn-cs"/>
+              </a:defRPr>
+            </a:lvl5pPr>
+            <a:lvl6pPr marL="2514600" indent="-228600" algn="l" defTabSz="914400" rtl="0" eaLnBrk="1" latinLnBrk="0" hangingPunct="1">
+              <a:lnSpc>
+                <a:spcPct val="90000"/>
+              </a:lnSpc>
+              <a:spcBef>
+                <a:spcPts val="500"/>
+              </a:spcBef>
+              <a:buFont typeface="Arial" panose="020B0604020202020204" pitchFamily="34" charset="0"/>
+              <a:buChar char="•"/>
+              <a:defRPr sz="1800" kern="1200">
+                <a:solidFill>
+                  <a:schemeClr val="tx1"/>
+                </a:solidFill>
+                <a:latin typeface="+mn-lt"/>
+                <a:ea typeface="+mn-ea"/>
+                <a:cs typeface="+mn-cs"/>
+              </a:defRPr>
+            </a:lvl6pPr>
+            <a:lvl7pPr marL="2971800" indent="-228600" algn="l" defTabSz="914400" rtl="0" eaLnBrk="1" latinLnBrk="0" hangingPunct="1">
+              <a:lnSpc>
+                <a:spcPct val="90000"/>
+              </a:lnSpc>
+              <a:spcBef>
+                <a:spcPts val="500"/>
+              </a:spcBef>
+              <a:buFont typeface="Arial" panose="020B0604020202020204" pitchFamily="34" charset="0"/>
+              <a:buChar char="•"/>
+              <a:defRPr sz="1800" kern="1200">
+                <a:solidFill>
+                  <a:schemeClr val="tx1"/>
+                </a:solidFill>
+                <a:latin typeface="+mn-lt"/>
+                <a:ea typeface="+mn-ea"/>
+                <a:cs typeface="+mn-cs"/>
+              </a:defRPr>
+            </a:lvl7pPr>
+            <a:lvl8pPr marL="3429000" indent="-228600" algn="l" defTabSz="914400" rtl="0" eaLnBrk="1" latinLnBrk="0" hangingPunct="1">
+              <a:lnSpc>
+                <a:spcPct val="90000"/>
+              </a:lnSpc>
+              <a:spcBef>
+                <a:spcPts val="500"/>
+              </a:spcBef>
+              <a:buFont typeface="Arial" panose="020B0604020202020204" pitchFamily="34" charset="0"/>
+              <a:buChar char="•"/>
+              <a:defRPr sz="1800" kern="1200">
+                <a:solidFill>
+                  <a:schemeClr val="tx1"/>
+                </a:solidFill>
+                <a:latin typeface="+mn-lt"/>
+                <a:ea typeface="+mn-ea"/>
+                <a:cs typeface="+mn-cs"/>
+              </a:defRPr>
+            </a:lvl8pPr>
+            <a:lvl9pPr marL="3886200" indent="-228600" algn="l" defTabSz="914400" rtl="0" eaLnBrk="1" latinLnBrk="0" hangingPunct="1">
+              <a:lnSpc>
+                <a:spcPct val="90000"/>
+              </a:lnSpc>
+              <a:spcBef>
+                <a:spcPts val="500"/>
+              </a:spcBef>
+              <a:buFont typeface="Arial" panose="020B0604020202020204" pitchFamily="34" charset="0"/>
+              <a:buChar char="•"/>
+              <a:defRPr sz="1800" kern="1200">
+                <a:solidFill>
+                  <a:schemeClr val="tx1"/>
+                </a:solidFill>
+                <a:latin typeface="+mn-lt"/>
+                <a:ea typeface="+mn-ea"/>
+                <a:cs typeface="+mn-cs"/>
+              </a:defRPr>
+            </a:lvl9pPr>
+          </a:lstStyle>
+          <a:p>
+            <a:pPr lvl="0"/>
+            <a:r>
+              <a:rPr lang="zh-CN" altLang="en-US" dirty="0"/>
+              <a:t>学生信息修改</a:t>
+            </a:r>
+            <a:endParaRPr lang="en-US" altLang="zh-CN" dirty="0"/>
+          </a:p>
+          <a:p>
+            <a:pPr lvl="0"/>
+            <a:r>
+              <a:rPr lang="zh-CN" altLang="en-US" dirty="0"/>
+              <a:t>学生密码修改</a:t>
+            </a:r>
+            <a:endParaRPr lang="en-US" altLang="zh-CN" dirty="0"/>
+          </a:p>
+          <a:p>
+            <a:pPr lvl="0"/>
+            <a:r>
+              <a:rPr lang="zh-CN" altLang="en-US" dirty="0"/>
+              <a:t>学生奖惩查看</a:t>
+            </a:r>
+            <a:endParaRPr lang="en-US" altLang="zh-CN" dirty="0"/>
+          </a:p>
+          <a:p>
+            <a:pPr lvl="0"/>
+            <a:r>
+              <a:rPr lang="zh-CN" altLang="en-US" dirty="0"/>
+              <a:t>学生选课系统</a:t>
+            </a:r>
+            <a:endParaRPr lang="en-US" altLang="zh-CN" dirty="0"/>
+          </a:p>
+          <a:p>
+            <a:pPr lvl="0"/>
+            <a:r>
+              <a:rPr lang="zh-CN" altLang="en-US" dirty="0"/>
+              <a:t>教师课程班级管理</a:t>
+            </a:r>
+            <a:endParaRPr lang="en-US" altLang="zh-CN" dirty="0"/>
+          </a:p>
+          <a:p>
+            <a:pPr lvl="0"/>
+            <a:r>
+              <a:rPr lang="zh-CN" altLang="en-US" dirty="0"/>
+              <a:t>成绩图表信息生成</a:t>
+            </a:r>
+            <a:endParaRPr lang="en-US" altLang="zh-CN" dirty="0"/>
+          </a:p>
+          <a:p>
+            <a:pPr lvl="0"/>
+            <a:r>
+              <a:rPr lang="zh-CN" altLang="en-US" dirty="0"/>
+              <a:t>学院</a:t>
+            </a:r>
+            <a:r>
+              <a:rPr lang="en-US" altLang="zh-CN" dirty="0"/>
+              <a:t>/</a:t>
+            </a:r>
+            <a:r>
+              <a:rPr lang="zh-CN" altLang="en-US" dirty="0"/>
+              <a:t>专业</a:t>
+            </a:r>
+            <a:r>
+              <a:rPr lang="en-US" altLang="zh-CN" dirty="0"/>
+              <a:t>/</a:t>
+            </a:r>
+            <a:r>
+              <a:rPr lang="zh-CN" altLang="en-US" dirty="0"/>
+              <a:t>班级</a:t>
+            </a:r>
+            <a:r>
+              <a:rPr lang="en-US" altLang="zh-CN" dirty="0"/>
+              <a:t>/</a:t>
+            </a:r>
+            <a:r>
+              <a:rPr lang="zh-CN" altLang="en-US" dirty="0"/>
+              <a:t>课程</a:t>
+            </a:r>
+            <a:r>
+              <a:rPr lang="en-US" altLang="zh-CN" dirty="0"/>
+              <a:t>/</a:t>
+            </a:r>
+            <a:r>
+              <a:rPr lang="zh-CN" altLang="en-US" dirty="0"/>
+              <a:t>课程班级</a:t>
+            </a:r>
+            <a:r>
+              <a:rPr lang="en-US" altLang="zh-CN" dirty="0"/>
+              <a:t>/</a:t>
+            </a:r>
+            <a:r>
+              <a:rPr lang="zh-CN" altLang="en-US" dirty="0"/>
+              <a:t>学生成绩</a:t>
+            </a:r>
+            <a:r>
+              <a:rPr lang="en-US" altLang="zh-CN" dirty="0"/>
+              <a:t>/</a:t>
+            </a:r>
+            <a:r>
+              <a:rPr lang="zh-CN" altLang="en-US" dirty="0"/>
+              <a:t>学生的管理</a:t>
+            </a:r>
+            <a:endParaRPr lang="zh-CN" altLang="zh-CN" dirty="0"/>
+          </a:p>
+        </p:txBody>
+      </p:sp>
+    </p:spTree>
+    <p:extLst>
+      <p:ext uri="{BB962C8B-B14F-4D97-AF65-F5344CB8AC3E}">
+        <p14:creationId xmlns:p14="http://schemas.microsoft.com/office/powerpoint/2010/main" val="3793533375"/>
+      </p:ext>
+    </p:extLst>
+  </p:cSld>
+  <p:clrMapOvr>
+    <a:masterClrMapping/>
+  </p:clrMapOvr>
+</p:sld>
+</file>
+
+<file path=ppt/slides/slide6.xml><?xml version="1.0" encoding="utf-8"?>
+<p:sld xmlns:a="http://schemas.openxmlformats.org/drawingml/2006/main" xmlns:r="http://schemas.openxmlformats.org/officeDocument/2006/relationships" xmlns:p="http://schemas.openxmlformats.org/presentationml/2006/main">
+  <p:cSld>
+    <p:spTree>
+      <p:nvGrpSpPr>
+        <p:cNvPr id="1" name=""/>
+        <p:cNvGrpSpPr/>
+        <p:nvPr/>
+      </p:nvGrpSpPr>
+      <p:grpSpPr>
+        <a:xfrm>
+          <a:off x="0" y="0"/>
+          <a:ext cx="0" cy="0"/>
+          <a:chOff x="0" y="0"/>
+          <a:chExt cx="0" cy="0"/>
+        </a:xfrm>
+      </p:grpSpPr>
+      <p:sp>
+        <p:nvSpPr>
+          <p:cNvPr id="2" name="标题 1">
+            <a:extLst>
+              <a:ext uri="{FF2B5EF4-FFF2-40B4-BE49-F238E27FC236}">
                 <a16:creationId xmlns:a16="http://schemas.microsoft.com/office/drawing/2014/main" id="{1C6CE08B-F534-4313-97CB-9B9571F349F2}"/>
               </a:ext>
             </a:extLst>
@@ -4898,7 +5986,7 @@
           <a:p>
             <a:r>
               <a:rPr lang="zh-CN" altLang="en-US" dirty="0"/>
-              <a:t>四</a:t>
+              <a:t>五</a:t>
             </a:r>
             <a:r>
               <a:rPr lang="en-US" altLang="zh-CN" dirty="0"/>
@@ -5241,7 +6329,7 @@
 </p:sld>
 </file>
 
-<file path=ppt/slides/slide6.xml><?xml version="1.0" encoding="utf-8"?>
+<file path=ppt/slides/slide7.xml><?xml version="1.0" encoding="utf-8"?>
 <p:sld xmlns:a="http://schemas.openxmlformats.org/drawingml/2006/main" xmlns:r="http://schemas.openxmlformats.org/officeDocument/2006/relationships" xmlns:p="http://schemas.openxmlformats.org/presentationml/2006/main">
   <p:cSld>
     <p:spTree>
@@ -10226,7 +11314,7 @@
 </p:sld>
 </file>
 
-<file path=ppt/slides/slide7.xml><?xml version="1.0" encoding="utf-8"?>
+<file path=ppt/slides/slide8.xml><?xml version="1.0" encoding="utf-8"?>
 <p:sld xmlns:a="http://schemas.openxmlformats.org/drawingml/2006/main" xmlns:r="http://schemas.openxmlformats.org/officeDocument/2006/relationships" xmlns:p="http://schemas.openxmlformats.org/presentationml/2006/main">
   <p:cSld>
     <p:spTree>
@@ -10370,12 +11458,220 @@
           </a:p>
         </p:txBody>
       </p:sp>
+      <p:sp>
+        <p:nvSpPr>
+          <p:cNvPr id="5" name="内容占位符 2">
+            <a:extLst>
+              <a:ext uri="{FF2B5EF4-FFF2-40B4-BE49-F238E27FC236}">
+                <a16:creationId xmlns:a16="http://schemas.microsoft.com/office/drawing/2014/main" id="{33A37DFD-2BE7-456B-9E29-9687174D23F5}"/>
+              </a:ext>
+            </a:extLst>
+          </p:cNvPr>
+          <p:cNvSpPr txBox="1">
+            <a:spLocks/>
+          </p:cNvSpPr>
+          <p:nvPr/>
+        </p:nvSpPr>
+        <p:spPr>
+          <a:xfrm>
+            <a:off x="605971" y="3918859"/>
+            <a:ext cx="1746704" cy="481692"/>
+          </a:xfrm>
+          <a:prstGeom prst="rect">
+            <a:avLst/>
+          </a:prstGeom>
+        </p:spPr>
+        <p:txBody>
+          <a:bodyPr vert="horz" lIns="91440" tIns="45720" rIns="91440" bIns="45720" rtlCol="0">
+            <a:normAutofit/>
+          </a:bodyPr>
+          <a:lstStyle>
+            <a:lvl1pPr marL="228600" indent="-228600" algn="l" defTabSz="914400" rtl="0" eaLnBrk="1" latinLnBrk="0" hangingPunct="1">
+              <a:lnSpc>
+                <a:spcPct val="90000"/>
+              </a:lnSpc>
+              <a:spcBef>
+                <a:spcPts val="1000"/>
+              </a:spcBef>
+              <a:buFont typeface="Arial" panose="020B0604020202020204" pitchFamily="34" charset="0"/>
+              <a:buChar char="•"/>
+              <a:defRPr sz="2800" kern="1200">
+                <a:solidFill>
+                  <a:schemeClr val="tx1"/>
+                </a:solidFill>
+                <a:latin typeface="+mn-lt"/>
+                <a:ea typeface="+mn-ea"/>
+                <a:cs typeface="+mn-cs"/>
+              </a:defRPr>
+            </a:lvl1pPr>
+            <a:lvl2pPr marL="685800" indent="-228600" algn="l" defTabSz="914400" rtl="0" eaLnBrk="1" latinLnBrk="0" hangingPunct="1">
+              <a:lnSpc>
+                <a:spcPct val="90000"/>
+              </a:lnSpc>
+              <a:spcBef>
+                <a:spcPts val="500"/>
+              </a:spcBef>
+              <a:buFont typeface="Arial" panose="020B0604020202020204" pitchFamily="34" charset="0"/>
+              <a:buChar char="•"/>
+              <a:defRPr sz="2400" kern="1200">
+                <a:solidFill>
+                  <a:schemeClr val="tx1"/>
+                </a:solidFill>
+                <a:latin typeface="+mn-lt"/>
+                <a:ea typeface="+mn-ea"/>
+                <a:cs typeface="+mn-cs"/>
+              </a:defRPr>
+            </a:lvl2pPr>
+            <a:lvl3pPr marL="1143000" indent="-228600" algn="l" defTabSz="914400" rtl="0" eaLnBrk="1" latinLnBrk="0" hangingPunct="1">
+              <a:lnSpc>
+                <a:spcPct val="90000"/>
+              </a:lnSpc>
+              <a:spcBef>
+                <a:spcPts val="500"/>
+              </a:spcBef>
+              <a:buFont typeface="Arial" panose="020B0604020202020204" pitchFamily="34" charset="0"/>
+              <a:buChar char="•"/>
+              <a:defRPr sz="2000" kern="1200">
+                <a:solidFill>
+                  <a:schemeClr val="tx1"/>
+                </a:solidFill>
+                <a:latin typeface="+mn-lt"/>
+                <a:ea typeface="+mn-ea"/>
+                <a:cs typeface="+mn-cs"/>
+              </a:defRPr>
+            </a:lvl3pPr>
+            <a:lvl4pPr marL="1600200" indent="-228600" algn="l" defTabSz="914400" rtl="0" eaLnBrk="1" latinLnBrk="0" hangingPunct="1">
+              <a:lnSpc>
+                <a:spcPct val="90000"/>
+              </a:lnSpc>
+              <a:spcBef>
+                <a:spcPts val="500"/>
+              </a:spcBef>
+              <a:buFont typeface="Arial" panose="020B0604020202020204" pitchFamily="34" charset="0"/>
+              <a:buChar char="•"/>
+              <a:defRPr sz="1800" kern="1200">
+                <a:solidFill>
+                  <a:schemeClr val="tx1"/>
+                </a:solidFill>
+                <a:latin typeface="+mn-lt"/>
+                <a:ea typeface="+mn-ea"/>
+                <a:cs typeface="+mn-cs"/>
+              </a:defRPr>
+            </a:lvl4pPr>
+            <a:lvl5pPr marL="2057400" indent="-228600" algn="l" defTabSz="914400" rtl="0" eaLnBrk="1" latinLnBrk="0" hangingPunct="1">
+              <a:lnSpc>
+                <a:spcPct val="90000"/>
+              </a:lnSpc>
+              <a:spcBef>
+                <a:spcPts val="500"/>
+              </a:spcBef>
+              <a:buFont typeface="Arial" panose="020B0604020202020204" pitchFamily="34" charset="0"/>
+              <a:buChar char="•"/>
+              <a:defRPr sz="1800" kern="1200">
+                <a:solidFill>
+                  <a:schemeClr val="tx1"/>
+                </a:solidFill>
+                <a:latin typeface="+mn-lt"/>
+                <a:ea typeface="+mn-ea"/>
+                <a:cs typeface="+mn-cs"/>
+              </a:defRPr>
+            </a:lvl5pPr>
+            <a:lvl6pPr marL="2514600" indent="-228600" algn="l" defTabSz="914400" rtl="0" eaLnBrk="1" latinLnBrk="0" hangingPunct="1">
+              <a:lnSpc>
+                <a:spcPct val="90000"/>
+              </a:lnSpc>
+              <a:spcBef>
+                <a:spcPts val="500"/>
+              </a:spcBef>
+              <a:buFont typeface="Arial" panose="020B0604020202020204" pitchFamily="34" charset="0"/>
+              <a:buChar char="•"/>
+              <a:defRPr sz="1800" kern="1200">
+                <a:solidFill>
+                  <a:schemeClr val="tx1"/>
+                </a:solidFill>
+                <a:latin typeface="+mn-lt"/>
+                <a:ea typeface="+mn-ea"/>
+                <a:cs typeface="+mn-cs"/>
+              </a:defRPr>
+            </a:lvl6pPr>
+            <a:lvl7pPr marL="2971800" indent="-228600" algn="l" defTabSz="914400" rtl="0" eaLnBrk="1" latinLnBrk="0" hangingPunct="1">
+              <a:lnSpc>
+                <a:spcPct val="90000"/>
+              </a:lnSpc>
+              <a:spcBef>
+                <a:spcPts val="500"/>
+              </a:spcBef>
+              <a:buFont typeface="Arial" panose="020B0604020202020204" pitchFamily="34" charset="0"/>
+              <a:buChar char="•"/>
+              <a:defRPr sz="1800" kern="1200">
+                <a:solidFill>
+                  <a:schemeClr val="tx1"/>
+                </a:solidFill>
+                <a:latin typeface="+mn-lt"/>
+                <a:ea typeface="+mn-ea"/>
+                <a:cs typeface="+mn-cs"/>
+              </a:defRPr>
+            </a:lvl7pPr>
+            <a:lvl8pPr marL="3429000" indent="-228600" algn="l" defTabSz="914400" rtl="0" eaLnBrk="1" latinLnBrk="0" hangingPunct="1">
+              <a:lnSpc>
+                <a:spcPct val="90000"/>
+              </a:lnSpc>
+              <a:spcBef>
+                <a:spcPts val="500"/>
+              </a:spcBef>
+              <a:buFont typeface="Arial" panose="020B0604020202020204" pitchFamily="34" charset="0"/>
+              <a:buChar char="•"/>
+              <a:defRPr sz="1800" kern="1200">
+                <a:solidFill>
+                  <a:schemeClr val="tx1"/>
+                </a:solidFill>
+                <a:latin typeface="+mn-lt"/>
+                <a:ea typeface="+mn-ea"/>
+                <a:cs typeface="+mn-cs"/>
+              </a:defRPr>
+            </a:lvl8pPr>
+            <a:lvl9pPr marL="3886200" indent="-228600" algn="l" defTabSz="914400" rtl="0" eaLnBrk="1" latinLnBrk="0" hangingPunct="1">
+              <a:lnSpc>
+                <a:spcPct val="90000"/>
+              </a:lnSpc>
+              <a:spcBef>
+                <a:spcPts val="500"/>
+              </a:spcBef>
+              <a:buFont typeface="Arial" panose="020B0604020202020204" pitchFamily="34" charset="0"/>
+              <a:buChar char="•"/>
+              <a:defRPr sz="1800" kern="1200">
+                <a:solidFill>
+                  <a:schemeClr val="tx1"/>
+                </a:solidFill>
+                <a:latin typeface="+mn-lt"/>
+                <a:ea typeface="+mn-ea"/>
+                <a:cs typeface="+mn-cs"/>
+              </a:defRPr>
+            </a:lvl9pPr>
+          </a:lstStyle>
+          <a:p>
+            <a:r>
+              <a:rPr lang="en-US" altLang="zh-CN" dirty="0"/>
+              <a:t>2.</a:t>
+            </a:r>
+            <a:r>
+              <a:rPr lang="zh-CN" altLang="en-US" dirty="0"/>
+              <a:t>后端：</a:t>
+            </a:r>
+            <a:endParaRPr lang="en-US" altLang="zh-CN" dirty="0"/>
+          </a:p>
+          <a:p>
+            <a:pPr lvl="1"/>
+            <a:endParaRPr lang="en-US" altLang="zh-CN" dirty="0"/>
+          </a:p>
+        </p:txBody>
+      </p:sp>
       <p:pic>
         <p:nvPicPr>
-          <p:cNvPr id="4" name="图片 3">
-            <a:extLst>
-              <a:ext uri="{FF2B5EF4-FFF2-40B4-BE49-F238E27FC236}">
-                <a16:creationId xmlns:a16="http://schemas.microsoft.com/office/drawing/2014/main" id="{19E52BE9-7BEB-4774-ADA8-FAD536AEB387}"/>
+          <p:cNvPr id="6" name="图片 5">
+            <a:extLst>
+              <a:ext uri="{FF2B5EF4-FFF2-40B4-BE49-F238E27FC236}">
+                <a16:creationId xmlns:a16="http://schemas.microsoft.com/office/drawing/2014/main" id="{A83CE172-657E-4FFC-B9F0-B411387D6AF0}"/>
               </a:ext>
             </a:extLst>
           </p:cNvPr>
@@ -10392,228 +11688,20 @@
         </p:blipFill>
         <p:spPr>
           <a:xfrm>
-            <a:off x="5341257" y="290285"/>
-            <a:ext cx="4771429" cy="1295238"/>
+            <a:off x="1976515" y="4002474"/>
+            <a:ext cx="5826656" cy="2155213"/>
           </a:xfrm>
           <a:prstGeom prst="rect">
             <a:avLst/>
           </a:prstGeom>
         </p:spPr>
       </p:pic>
-      <p:sp>
-        <p:nvSpPr>
-          <p:cNvPr id="5" name="内容占位符 2">
-            <a:extLst>
-              <a:ext uri="{FF2B5EF4-FFF2-40B4-BE49-F238E27FC236}">
-                <a16:creationId xmlns:a16="http://schemas.microsoft.com/office/drawing/2014/main" id="{33A37DFD-2BE7-456B-9E29-9687174D23F5}"/>
-              </a:ext>
-            </a:extLst>
-          </p:cNvPr>
-          <p:cNvSpPr txBox="1">
-            <a:spLocks/>
-          </p:cNvSpPr>
-          <p:nvPr/>
-        </p:nvSpPr>
-        <p:spPr>
-          <a:xfrm>
-            <a:off x="605971" y="3918858"/>
-            <a:ext cx="10515600" cy="3628573"/>
-          </a:xfrm>
-          <a:prstGeom prst="rect">
-            <a:avLst/>
-          </a:prstGeom>
-        </p:spPr>
-        <p:txBody>
-          <a:bodyPr vert="horz" lIns="91440" tIns="45720" rIns="91440" bIns="45720" rtlCol="0">
-            <a:normAutofit/>
-          </a:bodyPr>
-          <a:lstStyle>
-            <a:lvl1pPr marL="228600" indent="-228600" algn="l" defTabSz="914400" rtl="0" eaLnBrk="1" latinLnBrk="0" hangingPunct="1">
-              <a:lnSpc>
-                <a:spcPct val="90000"/>
-              </a:lnSpc>
-              <a:spcBef>
-                <a:spcPts val="1000"/>
-              </a:spcBef>
-              <a:buFont typeface="Arial" panose="020B0604020202020204" pitchFamily="34" charset="0"/>
-              <a:buChar char="•"/>
-              <a:defRPr sz="2800" kern="1200">
-                <a:solidFill>
-                  <a:schemeClr val="tx1"/>
-                </a:solidFill>
-                <a:latin typeface="+mn-lt"/>
-                <a:ea typeface="+mn-ea"/>
-                <a:cs typeface="+mn-cs"/>
-              </a:defRPr>
-            </a:lvl1pPr>
-            <a:lvl2pPr marL="685800" indent="-228600" algn="l" defTabSz="914400" rtl="0" eaLnBrk="1" latinLnBrk="0" hangingPunct="1">
-              <a:lnSpc>
-                <a:spcPct val="90000"/>
-              </a:lnSpc>
-              <a:spcBef>
-                <a:spcPts val="500"/>
-              </a:spcBef>
-              <a:buFont typeface="Arial" panose="020B0604020202020204" pitchFamily="34" charset="0"/>
-              <a:buChar char="•"/>
-              <a:defRPr sz="2400" kern="1200">
-                <a:solidFill>
-                  <a:schemeClr val="tx1"/>
-                </a:solidFill>
-                <a:latin typeface="+mn-lt"/>
-                <a:ea typeface="+mn-ea"/>
-                <a:cs typeface="+mn-cs"/>
-              </a:defRPr>
-            </a:lvl2pPr>
-            <a:lvl3pPr marL="1143000" indent="-228600" algn="l" defTabSz="914400" rtl="0" eaLnBrk="1" latinLnBrk="0" hangingPunct="1">
-              <a:lnSpc>
-                <a:spcPct val="90000"/>
-              </a:lnSpc>
-              <a:spcBef>
-                <a:spcPts val="500"/>
-              </a:spcBef>
-              <a:buFont typeface="Arial" panose="020B0604020202020204" pitchFamily="34" charset="0"/>
-              <a:buChar char="•"/>
-              <a:defRPr sz="2000" kern="1200">
-                <a:solidFill>
-                  <a:schemeClr val="tx1"/>
-                </a:solidFill>
-                <a:latin typeface="+mn-lt"/>
-                <a:ea typeface="+mn-ea"/>
-                <a:cs typeface="+mn-cs"/>
-              </a:defRPr>
-            </a:lvl3pPr>
-            <a:lvl4pPr marL="1600200" indent="-228600" algn="l" defTabSz="914400" rtl="0" eaLnBrk="1" latinLnBrk="0" hangingPunct="1">
-              <a:lnSpc>
-                <a:spcPct val="90000"/>
-              </a:lnSpc>
-              <a:spcBef>
-                <a:spcPts val="500"/>
-              </a:spcBef>
-              <a:buFont typeface="Arial" panose="020B0604020202020204" pitchFamily="34" charset="0"/>
-              <a:buChar char="•"/>
-              <a:defRPr sz="1800" kern="1200">
-                <a:solidFill>
-                  <a:schemeClr val="tx1"/>
-                </a:solidFill>
-                <a:latin typeface="+mn-lt"/>
-                <a:ea typeface="+mn-ea"/>
-                <a:cs typeface="+mn-cs"/>
-              </a:defRPr>
-            </a:lvl4pPr>
-            <a:lvl5pPr marL="2057400" indent="-228600" algn="l" defTabSz="914400" rtl="0" eaLnBrk="1" latinLnBrk="0" hangingPunct="1">
-              <a:lnSpc>
-                <a:spcPct val="90000"/>
-              </a:lnSpc>
-              <a:spcBef>
-                <a:spcPts val="500"/>
-              </a:spcBef>
-              <a:buFont typeface="Arial" panose="020B0604020202020204" pitchFamily="34" charset="0"/>
-              <a:buChar char="•"/>
-              <a:defRPr sz="1800" kern="1200">
-                <a:solidFill>
-                  <a:schemeClr val="tx1"/>
-                </a:solidFill>
-                <a:latin typeface="+mn-lt"/>
-                <a:ea typeface="+mn-ea"/>
-                <a:cs typeface="+mn-cs"/>
-              </a:defRPr>
-            </a:lvl5pPr>
-            <a:lvl6pPr marL="2514600" indent="-228600" algn="l" defTabSz="914400" rtl="0" eaLnBrk="1" latinLnBrk="0" hangingPunct="1">
-              <a:lnSpc>
-                <a:spcPct val="90000"/>
-              </a:lnSpc>
-              <a:spcBef>
-                <a:spcPts val="500"/>
-              </a:spcBef>
-              <a:buFont typeface="Arial" panose="020B0604020202020204" pitchFamily="34" charset="0"/>
-              <a:buChar char="•"/>
-              <a:defRPr sz="1800" kern="1200">
-                <a:solidFill>
-                  <a:schemeClr val="tx1"/>
-                </a:solidFill>
-                <a:latin typeface="+mn-lt"/>
-                <a:ea typeface="+mn-ea"/>
-                <a:cs typeface="+mn-cs"/>
-              </a:defRPr>
-            </a:lvl6pPr>
-            <a:lvl7pPr marL="2971800" indent="-228600" algn="l" defTabSz="914400" rtl="0" eaLnBrk="1" latinLnBrk="0" hangingPunct="1">
-              <a:lnSpc>
-                <a:spcPct val="90000"/>
-              </a:lnSpc>
-              <a:spcBef>
-                <a:spcPts val="500"/>
-              </a:spcBef>
-              <a:buFont typeface="Arial" panose="020B0604020202020204" pitchFamily="34" charset="0"/>
-              <a:buChar char="•"/>
-              <a:defRPr sz="1800" kern="1200">
-                <a:solidFill>
-                  <a:schemeClr val="tx1"/>
-                </a:solidFill>
-                <a:latin typeface="+mn-lt"/>
-                <a:ea typeface="+mn-ea"/>
-                <a:cs typeface="+mn-cs"/>
-              </a:defRPr>
-            </a:lvl7pPr>
-            <a:lvl8pPr marL="3429000" indent="-228600" algn="l" defTabSz="914400" rtl="0" eaLnBrk="1" latinLnBrk="0" hangingPunct="1">
-              <a:lnSpc>
-                <a:spcPct val="90000"/>
-              </a:lnSpc>
-              <a:spcBef>
-                <a:spcPts val="500"/>
-              </a:spcBef>
-              <a:buFont typeface="Arial" panose="020B0604020202020204" pitchFamily="34" charset="0"/>
-              <a:buChar char="•"/>
-              <a:defRPr sz="1800" kern="1200">
-                <a:solidFill>
-                  <a:schemeClr val="tx1"/>
-                </a:solidFill>
-                <a:latin typeface="+mn-lt"/>
-                <a:ea typeface="+mn-ea"/>
-                <a:cs typeface="+mn-cs"/>
-              </a:defRPr>
-            </a:lvl8pPr>
-            <a:lvl9pPr marL="3886200" indent="-228600" algn="l" defTabSz="914400" rtl="0" eaLnBrk="1" latinLnBrk="0" hangingPunct="1">
-              <a:lnSpc>
-                <a:spcPct val="90000"/>
-              </a:lnSpc>
-              <a:spcBef>
-                <a:spcPts val="500"/>
-              </a:spcBef>
-              <a:buFont typeface="Arial" panose="020B0604020202020204" pitchFamily="34" charset="0"/>
-              <a:buChar char="•"/>
-              <a:defRPr sz="1800" kern="1200">
-                <a:solidFill>
-                  <a:schemeClr val="tx1"/>
-                </a:solidFill>
-                <a:latin typeface="+mn-lt"/>
-                <a:ea typeface="+mn-ea"/>
-                <a:cs typeface="+mn-cs"/>
-              </a:defRPr>
-            </a:lvl9pPr>
-          </a:lstStyle>
-          <a:p>
-            <a:r>
-              <a:rPr lang="en-US" altLang="zh-CN" dirty="0"/>
-              <a:t>2.</a:t>
-            </a:r>
-            <a:r>
-              <a:rPr lang="zh-CN" altLang="en-US" dirty="0"/>
-              <a:t>后端：</a:t>
-            </a:r>
-            <a:endParaRPr lang="en-US" altLang="zh-CN" dirty="0"/>
-          </a:p>
-          <a:p>
-            <a:pPr lvl="1"/>
-            <a:endParaRPr lang="en-US" altLang="zh-CN" dirty="0"/>
-          </a:p>
-        </p:txBody>
-      </p:sp>
       <p:pic>
         <p:nvPicPr>
-          <p:cNvPr id="6" name="图片 5">
-            <a:extLst>
-              <a:ext uri="{FF2B5EF4-FFF2-40B4-BE49-F238E27FC236}">
-                <a16:creationId xmlns:a16="http://schemas.microsoft.com/office/drawing/2014/main" id="{A83CE172-657E-4FFC-B9F0-B411387D6AF0}"/>
+          <p:cNvPr id="7" name="图片 6">
+            <a:extLst>
+              <a:ext uri="{FF2B5EF4-FFF2-40B4-BE49-F238E27FC236}">
+                <a16:creationId xmlns:a16="http://schemas.microsoft.com/office/drawing/2014/main" id="{C627ED90-E3B2-4A0E-A4DB-848751EB45EA}"/>
               </a:ext>
             </a:extLst>
           </p:cNvPr>
@@ -10630,37 +11718,7 @@
         </p:blipFill>
         <p:spPr>
           <a:xfrm>
-            <a:off x="2090815" y="3918858"/>
-            <a:ext cx="5826656" cy="2155213"/>
-          </a:xfrm>
-          <a:prstGeom prst="rect">
-            <a:avLst/>
-          </a:prstGeom>
-        </p:spPr>
-      </p:pic>
-      <p:pic>
-        <p:nvPicPr>
-          <p:cNvPr id="7" name="图片 6">
-            <a:extLst>
-              <a:ext uri="{FF2B5EF4-FFF2-40B4-BE49-F238E27FC236}">
-                <a16:creationId xmlns:a16="http://schemas.microsoft.com/office/drawing/2014/main" id="{C627ED90-E3B2-4A0E-A4DB-848751EB45EA}"/>
-              </a:ext>
-            </a:extLst>
-          </p:cNvPr>
-          <p:cNvPicPr>
-            <a:picLocks noChangeAspect="1"/>
-          </p:cNvPicPr>
-          <p:nvPr/>
-        </p:nvPicPr>
-        <p:blipFill>
-          <a:blip r:embed="rId4"/>
-          <a:stretch>
-            <a:fillRect/>
-          </a:stretch>
-        </p:blipFill>
-        <p:spPr>
-          <a:xfrm>
-            <a:off x="8236408" y="2078106"/>
+            <a:off x="8253482" y="2161722"/>
             <a:ext cx="3752555" cy="3995965"/>
           </a:xfrm>
           <a:prstGeom prst="rect">
@@ -10672,114 +11730,6 @@
     <p:extLst>
       <p:ext uri="{BB962C8B-B14F-4D97-AF65-F5344CB8AC3E}">
         <p14:creationId xmlns:p14="http://schemas.microsoft.com/office/powerpoint/2010/main" val="2446651946"/>
-      </p:ext>
-    </p:extLst>
-  </p:cSld>
-  <p:clrMapOvr>
-    <a:masterClrMapping/>
-  </p:clrMapOvr>
-</p:sld>
-</file>
-
-<file path=ppt/slides/slide8.xml><?xml version="1.0" encoding="utf-8"?>
-<p:sld xmlns:a="http://schemas.openxmlformats.org/drawingml/2006/main" xmlns:r="http://schemas.openxmlformats.org/officeDocument/2006/relationships" xmlns:p="http://schemas.openxmlformats.org/presentationml/2006/main">
-  <p:cSld>
-    <p:spTree>
-      <p:nvGrpSpPr>
-        <p:cNvPr id="1" name=""/>
-        <p:cNvGrpSpPr/>
-        <p:nvPr/>
-      </p:nvGrpSpPr>
-      <p:grpSpPr>
-        <a:xfrm>
-          <a:off x="0" y="0"/>
-          <a:ext cx="0" cy="0"/>
-          <a:chOff x="0" y="0"/>
-          <a:chExt cx="0" cy="0"/>
-        </a:xfrm>
-      </p:grpSpPr>
-      <p:pic>
-        <p:nvPicPr>
-          <p:cNvPr id="4" name="图片 3">
-            <a:extLst>
-              <a:ext uri="{FF2B5EF4-FFF2-40B4-BE49-F238E27FC236}">
-                <a16:creationId xmlns:a16="http://schemas.microsoft.com/office/drawing/2014/main" id="{1CECFF64-9BAD-4BC5-8B7D-B65349F21117}"/>
-              </a:ext>
-            </a:extLst>
-          </p:cNvPr>
-          <p:cNvPicPr>
-            <a:picLocks noChangeAspect="1"/>
-          </p:cNvPicPr>
-          <p:nvPr/>
-        </p:nvPicPr>
-        <p:blipFill>
-          <a:blip r:embed="rId2"/>
-          <a:stretch>
-            <a:fillRect/>
-          </a:stretch>
-        </p:blipFill>
-        <p:spPr>
-          <a:xfrm>
-            <a:off x="396421" y="190868"/>
-            <a:ext cx="5514286" cy="5885714"/>
-          </a:xfrm>
-          <a:prstGeom prst="rect">
-            <a:avLst/>
-          </a:prstGeom>
-        </p:spPr>
-      </p:pic>
-      <p:sp>
-        <p:nvSpPr>
-          <p:cNvPr id="5" name="内容占位符 2">
-            <a:extLst>
-              <a:ext uri="{FF2B5EF4-FFF2-40B4-BE49-F238E27FC236}">
-                <a16:creationId xmlns:a16="http://schemas.microsoft.com/office/drawing/2014/main" id="{4404AC1E-6728-4563-8EBB-6FDB1C3CAB6D}"/>
-              </a:ext>
-            </a:extLst>
-          </p:cNvPr>
-          <p:cNvSpPr>
-            <a:spLocks noGrp="1"/>
-          </p:cNvSpPr>
-          <p:nvPr>
-            <p:ph idx="1"/>
-          </p:nvPr>
-        </p:nvSpPr>
-        <p:spPr>
-          <a:xfrm>
-            <a:off x="7397296" y="499836"/>
-            <a:ext cx="2584904" cy="1167040"/>
-          </a:xfrm>
-        </p:spPr>
-        <p:txBody>
-          <a:bodyPr>
-            <a:normAutofit/>
-          </a:bodyPr>
-          <a:lstStyle/>
-          <a:p>
-            <a:r>
-              <a:rPr lang="en-US" altLang="zh-CN" dirty="0"/>
-              <a:t>3.</a:t>
-            </a:r>
-            <a:r>
-              <a:rPr lang="zh-CN" altLang="en-US" dirty="0"/>
-              <a:t>多余的部分：</a:t>
-            </a:r>
-            <a:endParaRPr lang="en-US" altLang="zh-CN" dirty="0"/>
-          </a:p>
-          <a:p>
-            <a:pPr lvl="1"/>
-            <a:r>
-              <a:rPr lang="zh-CN" altLang="en-US" dirty="0"/>
-              <a:t>数据生成页</a:t>
-            </a:r>
-            <a:endParaRPr lang="en-US" altLang="zh-CN" dirty="0"/>
-          </a:p>
-        </p:txBody>
-      </p:sp>
-    </p:spTree>
-    <p:extLst>
-      <p:ext uri="{BB962C8B-B14F-4D97-AF65-F5344CB8AC3E}">
-        <p14:creationId xmlns:p14="http://schemas.microsoft.com/office/powerpoint/2010/main" val="1084575406"/>
       </p:ext>
     </p:extLst>
   </p:cSld>
@@ -10806,12 +11756,42 @@
           <a:chExt cx="0" cy="0"/>
         </a:xfrm>
       </p:grpSpPr>
+      <p:pic>
+        <p:nvPicPr>
+          <p:cNvPr id="4" name="图片 3">
+            <a:extLst>
+              <a:ext uri="{FF2B5EF4-FFF2-40B4-BE49-F238E27FC236}">
+                <a16:creationId xmlns:a16="http://schemas.microsoft.com/office/drawing/2014/main" id="{1CECFF64-9BAD-4BC5-8B7D-B65349F21117}"/>
+              </a:ext>
+            </a:extLst>
+          </p:cNvPr>
+          <p:cNvPicPr>
+            <a:picLocks noChangeAspect="1"/>
+          </p:cNvPicPr>
+          <p:nvPr/>
+        </p:nvPicPr>
+        <p:blipFill>
+          <a:blip r:embed="rId2"/>
+          <a:stretch>
+            <a:fillRect/>
+          </a:stretch>
+        </p:blipFill>
+        <p:spPr>
+          <a:xfrm>
+            <a:off x="581714" y="276593"/>
+            <a:ext cx="5514286" cy="5885714"/>
+          </a:xfrm>
+          <a:prstGeom prst="rect">
+            <a:avLst/>
+          </a:prstGeom>
+        </p:spPr>
+      </p:pic>
       <p:sp>
         <p:nvSpPr>
-          <p:cNvPr id="5" name="内容占位符 4">
-            <a:extLst>
-              <a:ext uri="{FF2B5EF4-FFF2-40B4-BE49-F238E27FC236}">
-                <a16:creationId xmlns:a16="http://schemas.microsoft.com/office/drawing/2014/main" id="{9474F5D4-A50E-4D58-820B-6D7E8BEAA403}"/>
+          <p:cNvPr id="5" name="内容占位符 2">
+            <a:extLst>
+              <a:ext uri="{FF2B5EF4-FFF2-40B4-BE49-F238E27FC236}">
+                <a16:creationId xmlns:a16="http://schemas.microsoft.com/office/drawing/2014/main" id="{4404AC1E-6728-4563-8EBB-6FDB1C3CAB6D}"/>
               </a:ext>
             </a:extLst>
           </p:cNvPr>
@@ -10822,19 +11802,42 @@
             <p:ph idx="1"/>
           </p:nvPr>
         </p:nvSpPr>
-        <p:spPr/>
+        <p:spPr>
+          <a:xfrm>
+            <a:off x="6749596" y="566511"/>
+            <a:ext cx="2584904" cy="1167040"/>
+          </a:xfrm>
+        </p:spPr>
         <p:txBody>
-          <a:bodyPr/>
+          <a:bodyPr>
+            <a:normAutofit/>
+          </a:bodyPr>
           <a:lstStyle/>
           <a:p>
-            <a:endParaRPr lang="zh-CN" altLang="en-US"/>
+            <a:r>
+              <a:rPr lang="en-US" altLang="zh-CN" dirty="0"/>
+              <a:t>3.</a:t>
+            </a:r>
+            <a:r>
+              <a:rPr lang="zh-CN" altLang="en-US" dirty="0"/>
+              <a:t>多余的部分：</a:t>
+            </a:r>
+            <a:endParaRPr lang="en-US" altLang="zh-CN" dirty="0"/>
+          </a:p>
+          <a:p>
+            <a:pPr lvl="1"/>
+            <a:r>
+              <a:rPr lang="zh-CN" altLang="en-US" dirty="0"/>
+              <a:t>数据生成页</a:t>
+            </a:r>
+            <a:endParaRPr lang="en-US" altLang="zh-CN" dirty="0"/>
           </a:p>
         </p:txBody>
       </p:sp>
     </p:spTree>
     <p:extLst>
       <p:ext uri="{BB962C8B-B14F-4D97-AF65-F5344CB8AC3E}">
-        <p14:creationId xmlns:p14="http://schemas.microsoft.com/office/powerpoint/2010/main" val="3401956310"/>
+        <p14:creationId xmlns:p14="http://schemas.microsoft.com/office/powerpoint/2010/main" val="1084575406"/>
       </p:ext>
     </p:extLst>
   </p:cSld>
